--- a/Slides_SiyuRework.pptx
+++ b/Slides_SiyuRework.pptx
@@ -1962,7 +1962,7 @@
           <a:p>
             <a:fld id="{29CA4686-2056-4E96-BBAD-E01AB7A5E771}" type="datetimeFigureOut">
               <a:rPr lang="zh-CN" altLang="en-US" smtClean="0"/>
-              <a:t>2024/6/25</a:t>
+              <a:t>2024/6/26</a:t>
             </a:fld>
             <a:endParaRPr lang="zh-CN" altLang="en-US"/>
           </a:p>
@@ -2687,7 +2687,7 @@
           <a:p>
             <a:fld id="{5BCAD085-E8A6-8845-BD4E-CB4CCA059FC4}" type="datetimeFigureOut">
               <a:rPr lang="en-US" smtClean="0"/>
-              <a:t>6/25/2024</a:t>
+              <a:t>6/26/2024</a:t>
             </a:fld>
             <a:endParaRPr lang="en-US"/>
           </a:p>
@@ -2855,7 +2855,7 @@
           <a:p>
             <a:fld id="{5BCAD085-E8A6-8845-BD4E-CB4CCA059FC4}" type="datetimeFigureOut">
               <a:rPr lang="en-US" smtClean="0"/>
-              <a:t>6/25/2024</a:t>
+              <a:t>6/26/2024</a:t>
             </a:fld>
             <a:endParaRPr lang="en-US"/>
           </a:p>
@@ -3033,7 +3033,7 @@
           <a:p>
             <a:fld id="{5BCAD085-E8A6-8845-BD4E-CB4CCA059FC4}" type="datetimeFigureOut">
               <a:rPr lang="en-US" smtClean="0"/>
-              <a:t>6/25/2024</a:t>
+              <a:t>6/26/2024</a:t>
             </a:fld>
             <a:endParaRPr lang="en-US"/>
           </a:p>
@@ -4041,7 +4041,7 @@
           <a:p>
             <a:fld id="{5BCAD085-E8A6-8845-BD4E-CB4CCA059FC4}" type="datetimeFigureOut">
               <a:rPr lang="en-US" smtClean="0"/>
-              <a:t>6/25/2024</a:t>
+              <a:t>6/26/2024</a:t>
             </a:fld>
             <a:endParaRPr lang="en-US"/>
           </a:p>
@@ -4311,7 +4311,7 @@
           <a:p>
             <a:fld id="{5BCAD085-E8A6-8845-BD4E-CB4CCA059FC4}" type="datetimeFigureOut">
               <a:rPr lang="en-US" smtClean="0"/>
-              <a:t>6/25/2024</a:t>
+              <a:t>6/26/2024</a:t>
             </a:fld>
             <a:endParaRPr lang="en-US"/>
           </a:p>
@@ -5434,7 +5434,7 @@
           <a:p>
             <a:fld id="{5BCAD085-E8A6-8845-BD4E-CB4CCA059FC4}" type="datetimeFigureOut">
               <a:rPr lang="en-US" smtClean="0"/>
-              <a:t>6/25/2024</a:t>
+              <a:t>6/26/2024</a:t>
             </a:fld>
             <a:endParaRPr lang="en-US"/>
           </a:p>
@@ -5575,7 +5575,7 @@
           <a:p>
             <a:fld id="{5BCAD085-E8A6-8845-BD4E-CB4CCA059FC4}" type="datetimeFigureOut">
               <a:rPr lang="en-US" smtClean="0"/>
-              <a:t>6/25/2024</a:t>
+              <a:t>6/26/2024</a:t>
             </a:fld>
             <a:endParaRPr lang="en-US"/>
           </a:p>
@@ -5688,7 +5688,7 @@
           <a:p>
             <a:fld id="{5BCAD085-E8A6-8845-BD4E-CB4CCA059FC4}" type="datetimeFigureOut">
               <a:rPr lang="en-US" smtClean="0"/>
-              <a:t>6/25/2024</a:t>
+              <a:t>6/26/2024</a:t>
             </a:fld>
             <a:endParaRPr lang="en-US"/>
           </a:p>
@@ -6388,7 +6388,7 @@
           <a:p>
             <a:fld id="{5BCAD085-E8A6-8845-BD4E-CB4CCA059FC4}" type="datetimeFigureOut">
               <a:rPr lang="en-US" smtClean="0"/>
-              <a:t>6/25/2024</a:t>
+              <a:t>6/26/2024</a:t>
             </a:fld>
             <a:endParaRPr lang="en-US"/>
           </a:p>
@@ -6494,7 +6494,7 @@
           <a:p>
             <a:fld id="{A50ECBEB-8597-4EA4-9D29-E1D7025CFAA0}" type="datetime1">
               <a:rPr lang="zh-CN" altLang="en-US" smtClean="0"/>
-              <a:t>2024/6/25</a:t>
+              <a:t>2024/6/26</a:t>
             </a:fld>
             <a:endParaRPr lang="zh-CN" altLang="en-US"/>
           </a:p>
@@ -6622,7 +6622,7 @@
           <a:p>
             <a:fld id="{A50ECBEB-8597-4EA4-9D29-E1D7025CFAA0}" type="datetime1">
               <a:rPr lang="zh-CN" altLang="en-US" smtClean="0"/>
-              <a:t>2024/6/25</a:t>
+              <a:t>2024/6/26</a:t>
             </a:fld>
             <a:endParaRPr lang="zh-CN" altLang="en-US"/>
           </a:p>
@@ -6965,7 +6965,7 @@
           <a:p>
             <a:fld id="{5BCAD085-E8A6-8845-BD4E-CB4CCA059FC4}" type="datetimeFigureOut">
               <a:rPr lang="en-US" smtClean="0"/>
-              <a:t>6/25/2024</a:t>
+              <a:t>6/26/2024</a:t>
             </a:fld>
             <a:endParaRPr lang="en-US"/>
           </a:p>
@@ -7250,7 +7250,7 @@
           <a:p>
             <a:fld id="{5BCAD085-E8A6-8845-BD4E-CB4CCA059FC4}" type="datetimeFigureOut">
               <a:rPr lang="en-US" smtClean="0"/>
-              <a:t>6/25/2024</a:t>
+              <a:t>6/26/2024</a:t>
             </a:fld>
             <a:endParaRPr lang="en-US"/>
           </a:p>
@@ -7669,7 +7669,7 @@
           <a:p>
             <a:fld id="{5BCAD085-E8A6-8845-BD4E-CB4CCA059FC4}" type="datetimeFigureOut">
               <a:rPr lang="en-US" smtClean="0"/>
-              <a:t>6/25/2024</a:t>
+              <a:t>6/26/2024</a:t>
             </a:fld>
             <a:endParaRPr lang="en-US"/>
           </a:p>
@@ -7786,7 +7786,7 @@
           <a:p>
             <a:fld id="{5BCAD085-E8A6-8845-BD4E-CB4CCA059FC4}" type="datetimeFigureOut">
               <a:rPr lang="en-US" smtClean="0"/>
-              <a:t>6/25/2024</a:t>
+              <a:t>6/26/2024</a:t>
             </a:fld>
             <a:endParaRPr lang="en-US"/>
           </a:p>
@@ -7881,7 +7881,7 @@
           <a:p>
             <a:fld id="{5BCAD085-E8A6-8845-BD4E-CB4CCA059FC4}" type="datetimeFigureOut">
               <a:rPr lang="en-US" smtClean="0"/>
-              <a:t>6/25/2024</a:t>
+              <a:t>6/26/2024</a:t>
             </a:fld>
             <a:endParaRPr lang="en-US"/>
           </a:p>
@@ -8156,7 +8156,7 @@
           <a:p>
             <a:fld id="{5BCAD085-E8A6-8845-BD4E-CB4CCA059FC4}" type="datetimeFigureOut">
               <a:rPr lang="en-US" smtClean="0"/>
-              <a:t>6/25/2024</a:t>
+              <a:t>6/26/2024</a:t>
             </a:fld>
             <a:endParaRPr lang="en-US"/>
           </a:p>
@@ -8408,7 +8408,7 @@
           <a:p>
             <a:fld id="{5BCAD085-E8A6-8845-BD4E-CB4CCA059FC4}" type="datetimeFigureOut">
               <a:rPr lang="en-US" smtClean="0"/>
-              <a:t>6/25/2024</a:t>
+              <a:t>6/26/2024</a:t>
             </a:fld>
             <a:endParaRPr lang="en-US"/>
           </a:p>
@@ -8619,7 +8619,7 @@
           <a:p>
             <a:fld id="{5BCAD085-E8A6-8845-BD4E-CB4CCA059FC4}" type="datetimeFigureOut">
               <a:rPr lang="en-US" smtClean="0"/>
-              <a:t>6/25/2024</a:t>
+              <a:t>6/26/2024</a:t>
             </a:fld>
             <a:endParaRPr lang="en-US"/>
           </a:p>
@@ -9193,7 +9193,7 @@
           <a:p>
             <a:fld id="{5BCAD085-E8A6-8845-BD4E-CB4CCA059FC4}" type="datetimeFigureOut">
               <a:rPr lang="en-US" smtClean="0"/>
-              <a:t>6/25/2024</a:t>
+              <a:t>6/26/2024</a:t>
             </a:fld>
             <a:endParaRPr lang="en-US"/>
           </a:p>
@@ -9754,7 +9754,7 @@
           <a:p>
             <a:fld id="{5BCAD085-E8A6-8845-BD4E-CB4CCA059FC4}" type="datetimeFigureOut">
               <a:rPr lang="en-US" smtClean="0"/>
-              <a:t>6/25/2024</a:t>
+              <a:t>6/26/2024</a:t>
             </a:fld>
             <a:endParaRPr lang="en-US"/>
           </a:p>
@@ -13524,10 +13524,23 @@
                     <a:ea typeface="宋体" panose="02010600030101010101" pitchFamily="2" charset="-122"/>
                     <a:sym typeface="Arial" panose="020B0604020202020204" pitchFamily="34" charset="0"/>
                   </a:rPr>
-                  <a:t>Click here to see different companies promotion strategy: </a:t>
+                  <a:t>Click here to see different companies promotion strategy</a:t>
                 </a:r>
                 <a:r>
-                  <a:rPr kumimoji="1" lang="en-US" altLang="zh-CN" sz="900" b="1" dirty="0">
+                  <a:rPr kumimoji="1" lang="en-US" altLang="zh-CN" sz="750">
+                    <a:solidFill>
+                      <a:schemeClr val="tx1">
+                        <a:alpha val="80000"/>
+                      </a:schemeClr>
+                    </a:solidFill>
+                    <a:latin typeface="Calibri" panose="020F0502020204030204" pitchFamily="34" charset="0"/>
+                    <a:ea typeface="宋体" panose="02010600030101010101" pitchFamily="2" charset="-122"/>
+                    <a:sym typeface="Arial" panose="020B0604020202020204" pitchFamily="34" charset="0"/>
+                  </a:rPr>
+                  <a:t>: </a:t>
+                </a:r>
+                <a:r>
+                  <a:rPr kumimoji="1" lang="en-US" altLang="zh-CN" sz="900" b="1">
                     <a:solidFill>
                       <a:schemeClr val="tx1">
                         <a:alpha val="80000"/>
@@ -13538,9 +13551,9 @@
                     <a:sym typeface="Arial" panose="020B0604020202020204" pitchFamily="34" charset="0"/>
                     <a:hlinkClick r:id="rId4" action="ppaction://hlinkfile"/>
                   </a:rPr>
-                  <a:t>output2.png</a:t>
+                  <a:t>output figures\output2.png</a:t>
                 </a:r>
-                <a:endParaRPr kumimoji="1" lang="en-US" altLang="zh-CN" sz="750" b="1" dirty="0">
+                <a:endParaRPr kumimoji="1" lang="en-US" altLang="zh-CN" sz="900" b="1">
                   <a:solidFill>
                     <a:schemeClr val="tx1">
                       <a:alpha val="80000"/>
